--- a/Präsentation.pptx
+++ b/Präsentation.pptx
@@ -9,12 +9,13 @@
     <p:sldId id="258" r:id="rId3"/>
     <p:sldId id="262" r:id="rId4"/>
     <p:sldId id="261" r:id="rId5"/>
-    <p:sldId id="266" r:id="rId6"/>
-    <p:sldId id="263" r:id="rId7"/>
-    <p:sldId id="264" r:id="rId8"/>
-    <p:sldId id="265" r:id="rId9"/>
-    <p:sldId id="259" r:id="rId10"/>
-    <p:sldId id="260" r:id="rId11"/>
+    <p:sldId id="263" r:id="rId6"/>
+    <p:sldId id="264" r:id="rId7"/>
+    <p:sldId id="265" r:id="rId8"/>
+    <p:sldId id="259" r:id="rId9"/>
+    <p:sldId id="260" r:id="rId10"/>
+    <p:sldId id="266" r:id="rId11"/>
+    <p:sldId id="267" r:id="rId12"/>
   </p:sldIdLst>
   <p:sldSz cx="12192000" cy="6858000"/>
   <p:notesSz cx="6858000" cy="9144000"/>
@@ -1036,10 +1037,42 @@
         <a:lstStyle/>
         <a:p>
           <a:r>
-            <a:rPr lang="de-CH" b="0" i="0"/>
-            <a:t>Data prepocessing (splitting, timewindows, variation)</a:t>
+            <a:rPr lang="de-CH" b="0" i="0" dirty="0"/>
+            <a:t>Data </a:t>
           </a:r>
-          <a:endParaRPr lang="en-US"/>
+          <a:r>
+            <a:rPr lang="de-CH" b="0" i="0" dirty="0" err="1"/>
+            <a:t>prepocessing</a:t>
+          </a:r>
+          <a:r>
+            <a:rPr lang="de-CH" b="0" i="0" dirty="0"/>
+            <a:t> (</a:t>
+          </a:r>
+          <a:r>
+            <a:rPr lang="de-CH" b="0" i="0" dirty="0" err="1"/>
+            <a:t>splitting</a:t>
+          </a:r>
+          <a:r>
+            <a:rPr lang="de-CH" b="0" i="0" dirty="0"/>
+            <a:t>, </a:t>
+          </a:r>
+          <a:r>
+            <a:rPr lang="de-CH" b="0" i="0" dirty="0" err="1"/>
+            <a:t>timewindows</a:t>
+          </a:r>
+          <a:r>
+            <a:rPr lang="de-CH" b="0" i="0" dirty="0"/>
+            <a:t>, </a:t>
+          </a:r>
+          <a:r>
+            <a:rPr lang="de-CH" b="0" i="0" dirty="0" err="1"/>
+            <a:t>variation</a:t>
+          </a:r>
+          <a:r>
+            <a:rPr lang="de-CH" b="0" i="0" dirty="0"/>
+            <a:t>)</a:t>
+          </a:r>
+          <a:endParaRPr lang="en-US" dirty="0"/>
         </a:p>
       </dgm:t>
     </dgm:pt>
@@ -1970,10 +2003,42 @@
             <a:buChar char="•"/>
           </a:pPr>
           <a:r>
-            <a:rPr lang="de-CH" sz="1400" b="0" i="0" kern="1200"/>
-            <a:t>Data prepocessing (splitting, timewindows, variation)</a:t>
+            <a:rPr lang="de-CH" sz="1400" b="0" i="0" kern="1200" dirty="0"/>
+            <a:t>Data </a:t>
           </a:r>
-          <a:endParaRPr lang="en-US" sz="1400" kern="1200"/>
+          <a:r>
+            <a:rPr lang="de-CH" sz="1400" b="0" i="0" kern="1200" dirty="0" err="1"/>
+            <a:t>prepocessing</a:t>
+          </a:r>
+          <a:r>
+            <a:rPr lang="de-CH" sz="1400" b="0" i="0" kern="1200" dirty="0"/>
+            <a:t> (</a:t>
+          </a:r>
+          <a:r>
+            <a:rPr lang="de-CH" sz="1400" b="0" i="0" kern="1200" dirty="0" err="1"/>
+            <a:t>splitting</a:t>
+          </a:r>
+          <a:r>
+            <a:rPr lang="de-CH" sz="1400" b="0" i="0" kern="1200" dirty="0"/>
+            <a:t>, </a:t>
+          </a:r>
+          <a:r>
+            <a:rPr lang="de-CH" sz="1400" b="0" i="0" kern="1200" dirty="0" err="1"/>
+            <a:t>timewindows</a:t>
+          </a:r>
+          <a:r>
+            <a:rPr lang="de-CH" sz="1400" b="0" i="0" kern="1200" dirty="0"/>
+            <a:t>, </a:t>
+          </a:r>
+          <a:r>
+            <a:rPr lang="de-CH" sz="1400" b="0" i="0" kern="1200" dirty="0" err="1"/>
+            <a:t>variation</a:t>
+          </a:r>
+          <a:r>
+            <a:rPr lang="de-CH" sz="1400" b="0" i="0" kern="1200" dirty="0"/>
+            <a:t>)</a:t>
+          </a:r>
+          <a:endParaRPr lang="en-US" sz="1400" kern="1200" dirty="0"/>
         </a:p>
         <a:p>
           <a:pPr marL="114300" lvl="1" indent="-114300" algn="l" defTabSz="622300">
@@ -18235,7 +18300,7 @@
           <p:cNvPr id="2" name="Title 1">
             <a:extLst>
               <a:ext uri="{FF2B5EF4-FFF2-40B4-BE49-F238E27FC236}">
-                <a16:creationId xmlns:a16="http://schemas.microsoft.com/office/drawing/2014/main" id="{B37247BC-433B-47A5-B3FD-5145E58B832B}"/>
+                <a16:creationId xmlns:a16="http://schemas.microsoft.com/office/drawing/2014/main" id="{3586123F-82CA-4629-A9DA-6BDD1907C1CC}"/>
               </a:ext>
             </a:extLst>
           </p:cNvPr>
@@ -18252,12 +18317,8 @@
           <a:lstStyle/>
           <a:p>
             <a:r>
-              <a:rPr lang="de-CH" dirty="0"/>
-              <a:t>Data </a:t>
-            </a:r>
-            <a:r>
               <a:rPr lang="de-CH" dirty="0" err="1"/>
-              <a:t>prepocessing</a:t>
+              <a:t>Results</a:t>
             </a:r>
             <a:endParaRPr lang="en-AU" dirty="0"/>
           </a:p>
@@ -18268,7 +18329,7 @@
           <p:cNvPr id="3" name="Content Placeholder 2">
             <a:extLst>
               <a:ext uri="{FF2B5EF4-FFF2-40B4-BE49-F238E27FC236}">
-                <a16:creationId xmlns:a16="http://schemas.microsoft.com/office/drawing/2014/main" id="{F30E1605-B4C1-4A3E-8DE9-4B39E7EE0F36}"/>
+                <a16:creationId xmlns:a16="http://schemas.microsoft.com/office/drawing/2014/main" id="{5B838A9A-E10B-4774-BB4B-05DF18910AEC}"/>
               </a:ext>
             </a:extLst>
           </p:cNvPr>
@@ -18291,7 +18352,91 @@
     </p:spTree>
     <p:extLst>
       <p:ext uri="{BB962C8B-B14F-4D97-AF65-F5344CB8AC3E}">
-        <p14:creationId xmlns:p14="http://schemas.microsoft.com/office/powerpoint/2010/main" val="4117226785"/>
+        <p14:creationId xmlns:p14="http://schemas.microsoft.com/office/powerpoint/2010/main" val="2934009670"/>
+      </p:ext>
+    </p:extLst>
+  </p:cSld>
+  <p:clrMapOvr>
+    <a:masterClrMapping/>
+  </p:clrMapOvr>
+</p:sld>
+</file>
+
+<file path=ppt/slides/slide11.xml><?xml version="1.0" encoding="utf-8"?>
+<p:sld xmlns:a="http://schemas.openxmlformats.org/drawingml/2006/main" xmlns:r="http://schemas.openxmlformats.org/officeDocument/2006/relationships" xmlns:p="http://schemas.openxmlformats.org/presentationml/2006/main">
+  <p:cSld>
+    <p:spTree>
+      <p:nvGrpSpPr>
+        <p:cNvPr id="1" name=""/>
+        <p:cNvGrpSpPr/>
+        <p:nvPr/>
+      </p:nvGrpSpPr>
+      <p:grpSpPr>
+        <a:xfrm>
+          <a:off x="0" y="0"/>
+          <a:ext cx="0" cy="0"/>
+          <a:chOff x="0" y="0"/>
+          <a:chExt cx="0" cy="0"/>
+        </a:xfrm>
+      </p:grpSpPr>
+      <p:sp>
+        <p:nvSpPr>
+          <p:cNvPr id="2" name="Title 1">
+            <a:extLst>
+              <a:ext uri="{FF2B5EF4-FFF2-40B4-BE49-F238E27FC236}">
+                <a16:creationId xmlns:a16="http://schemas.microsoft.com/office/drawing/2014/main" id="{88041F10-F9B4-4D47-A82A-CC33AC7263E7}"/>
+              </a:ext>
+            </a:extLst>
+          </p:cNvPr>
+          <p:cNvSpPr>
+            <a:spLocks noGrp="1"/>
+          </p:cNvSpPr>
+          <p:nvPr>
+            <p:ph type="title"/>
+          </p:nvPr>
+        </p:nvSpPr>
+        <p:spPr/>
+        <p:txBody>
+          <a:bodyPr/>
+          <a:lstStyle/>
+          <a:p>
+            <a:r>
+              <a:rPr lang="de-CH" dirty="0" err="1"/>
+              <a:t>Discussion</a:t>
+            </a:r>
+            <a:endParaRPr lang="en-AU" dirty="0"/>
+          </a:p>
+        </p:txBody>
+      </p:sp>
+      <p:sp>
+        <p:nvSpPr>
+          <p:cNvPr id="3" name="Content Placeholder 2">
+            <a:extLst>
+              <a:ext uri="{FF2B5EF4-FFF2-40B4-BE49-F238E27FC236}">
+                <a16:creationId xmlns:a16="http://schemas.microsoft.com/office/drawing/2014/main" id="{4A5BFD62-4BBF-47B3-A19D-022814CA505D}"/>
+              </a:ext>
+            </a:extLst>
+          </p:cNvPr>
+          <p:cNvSpPr>
+            <a:spLocks noGrp="1"/>
+          </p:cNvSpPr>
+          <p:nvPr>
+            <p:ph idx="1"/>
+          </p:nvPr>
+        </p:nvSpPr>
+        <p:spPr/>
+        <p:txBody>
+          <a:bodyPr/>
+          <a:lstStyle/>
+          <a:p>
+            <a:endParaRPr lang="en-AU"/>
+          </a:p>
+        </p:txBody>
+      </p:sp>
+    </p:spTree>
+    <p:extLst>
+      <p:ext uri="{BB962C8B-B14F-4D97-AF65-F5344CB8AC3E}">
+        <p14:creationId xmlns:p14="http://schemas.microsoft.com/office/powerpoint/2010/main" val="2261661678"/>
       </p:ext>
     </p:extLst>
   </p:cSld>
@@ -19274,23 +19419,9 @@
         <p:spPr/>
         <p:txBody>
           <a:bodyPr>
-            <a:normAutofit fontScale="92500"/>
+            <a:normAutofit/>
           </a:bodyPr>
           <a:lstStyle/>
-          <a:p>
-            <a:r>
-              <a:rPr lang="en-GB" dirty="0"/>
-              <a:t>State-of-the-art glucose control systems manage to optimally regulate basal insulin infusion, maintaining prandial glucose levels within the normal range, without the requirement of meal announcements by the user, still constitutes a real challenge towards fully automated </a:t>
-            </a:r>
-            <a:r>
-              <a:rPr lang="en-GB" dirty="0" err="1"/>
-              <a:t>glycemic</a:t>
-            </a:r>
-            <a:r>
-              <a:rPr lang="en-GB" dirty="0"/>
-              <a:t> control.</a:t>
-            </a:r>
-          </a:p>
           <a:p>
             <a:r>
               <a:rPr lang="en-GB" dirty="0"/>
@@ -19497,7 +19628,7 @@
           <p:cNvPr id="2" name="Title 1">
             <a:extLst>
               <a:ext uri="{FF2B5EF4-FFF2-40B4-BE49-F238E27FC236}">
-                <a16:creationId xmlns:a16="http://schemas.microsoft.com/office/drawing/2014/main" id="{90057F68-C151-40A3-9644-BD3B0E1E002E}"/>
+                <a16:creationId xmlns:a16="http://schemas.microsoft.com/office/drawing/2014/main" id="{89AEAB03-2E5F-4B1F-97F8-40CB2FC6B557}"/>
               </a:ext>
             </a:extLst>
           </p:cNvPr>
@@ -19515,15 +19646,15 @@
           <a:p>
             <a:r>
               <a:rPr lang="de-CH" dirty="0"/>
-              <a:t>State </a:t>
+              <a:t>Methods - Data </a:t>
             </a:r>
             <a:r>
               <a:rPr lang="de-CH" dirty="0" err="1"/>
-              <a:t>of</a:t>
+              <a:t>prepocessing</a:t>
             </a:r>
             <a:r>
               <a:rPr lang="de-CH" dirty="0"/>
-              <a:t> The Art</a:t>
+              <a:t> </a:t>
             </a:r>
             <a:endParaRPr lang="en-AU" dirty="0"/>
           </a:p>
@@ -19534,7 +19665,7 @@
           <p:cNvPr id="3" name="Content Placeholder 2">
             <a:extLst>
               <a:ext uri="{FF2B5EF4-FFF2-40B4-BE49-F238E27FC236}">
-                <a16:creationId xmlns:a16="http://schemas.microsoft.com/office/drawing/2014/main" id="{11A2C9D8-3B6C-4D20-B7A4-E9A5A7CFB6B6}"/>
+                <a16:creationId xmlns:a16="http://schemas.microsoft.com/office/drawing/2014/main" id="{9E6DA191-954E-4AB2-BD46-EF1B8294F6C1}"/>
               </a:ext>
             </a:extLst>
           </p:cNvPr>
@@ -19550,14 +19681,14 @@
           <a:bodyPr/>
           <a:lstStyle/>
           <a:p>
-            <a:endParaRPr lang="en-AU"/>
+            <a:endParaRPr lang="en-AU" dirty="0"/>
           </a:p>
         </p:txBody>
       </p:sp>
     </p:spTree>
     <p:extLst>
       <p:ext uri="{BB962C8B-B14F-4D97-AF65-F5344CB8AC3E}">
-        <p14:creationId xmlns:p14="http://schemas.microsoft.com/office/powerpoint/2010/main" val="3865423497"/>
+        <p14:creationId xmlns:p14="http://schemas.microsoft.com/office/powerpoint/2010/main" val="3841871458"/>
       </p:ext>
     </p:extLst>
   </p:cSld>
@@ -19607,15 +19738,11 @@
           <a:p>
             <a:r>
               <a:rPr lang="de-CH" dirty="0"/>
-              <a:t>Methods - Data </a:t>
+              <a:t>Methods – Binary </a:t>
             </a:r>
             <a:r>
               <a:rPr lang="de-CH" dirty="0" err="1"/>
-              <a:t>prepocessing</a:t>
-            </a:r>
-            <a:r>
-              <a:rPr lang="de-CH" dirty="0"/>
-              <a:t> </a:t>
+              <a:t>Classifier</a:t>
             </a:r>
             <a:endParaRPr lang="en-AU" dirty="0"/>
           </a:p>
@@ -19649,7 +19776,7 @@
     </p:spTree>
     <p:extLst>
       <p:ext uri="{BB962C8B-B14F-4D97-AF65-F5344CB8AC3E}">
-        <p14:creationId xmlns:p14="http://schemas.microsoft.com/office/powerpoint/2010/main" val="3841871458"/>
+        <p14:creationId xmlns:p14="http://schemas.microsoft.com/office/powerpoint/2010/main" val="2055173726"/>
       </p:ext>
     </p:extLst>
   </p:cSld>
@@ -19699,94 +19826,6 @@
           <a:p>
             <a:r>
               <a:rPr lang="de-CH" dirty="0"/>
-              <a:t>Methods – Binary </a:t>
-            </a:r>
-            <a:r>
-              <a:rPr lang="de-CH" dirty="0" err="1"/>
-              <a:t>Classifier</a:t>
-            </a:r>
-            <a:endParaRPr lang="en-AU" dirty="0"/>
-          </a:p>
-        </p:txBody>
-      </p:sp>
-      <p:sp>
-        <p:nvSpPr>
-          <p:cNvPr id="3" name="Content Placeholder 2">
-            <a:extLst>
-              <a:ext uri="{FF2B5EF4-FFF2-40B4-BE49-F238E27FC236}">
-                <a16:creationId xmlns:a16="http://schemas.microsoft.com/office/drawing/2014/main" id="{9E6DA191-954E-4AB2-BD46-EF1B8294F6C1}"/>
-              </a:ext>
-            </a:extLst>
-          </p:cNvPr>
-          <p:cNvSpPr>
-            <a:spLocks noGrp="1"/>
-          </p:cNvSpPr>
-          <p:nvPr>
-            <p:ph idx="1"/>
-          </p:nvPr>
-        </p:nvSpPr>
-        <p:spPr/>
-        <p:txBody>
-          <a:bodyPr/>
-          <a:lstStyle/>
-          <a:p>
-            <a:endParaRPr lang="en-AU" dirty="0"/>
-          </a:p>
-        </p:txBody>
-      </p:sp>
-    </p:spTree>
-    <p:extLst>
-      <p:ext uri="{BB962C8B-B14F-4D97-AF65-F5344CB8AC3E}">
-        <p14:creationId xmlns:p14="http://schemas.microsoft.com/office/powerpoint/2010/main" val="2055173726"/>
-      </p:ext>
-    </p:extLst>
-  </p:cSld>
-  <p:clrMapOvr>
-    <a:masterClrMapping/>
-  </p:clrMapOvr>
-</p:sld>
-</file>
-
-<file path=ppt/slides/slide8.xml><?xml version="1.0" encoding="utf-8"?>
-<p:sld xmlns:a="http://schemas.openxmlformats.org/drawingml/2006/main" xmlns:r="http://schemas.openxmlformats.org/officeDocument/2006/relationships" xmlns:p="http://schemas.openxmlformats.org/presentationml/2006/main">
-  <p:cSld>
-    <p:spTree>
-      <p:nvGrpSpPr>
-        <p:cNvPr id="1" name=""/>
-        <p:cNvGrpSpPr/>
-        <p:nvPr/>
-      </p:nvGrpSpPr>
-      <p:grpSpPr>
-        <a:xfrm>
-          <a:off x="0" y="0"/>
-          <a:ext cx="0" cy="0"/>
-          <a:chOff x="0" y="0"/>
-          <a:chExt cx="0" cy="0"/>
-        </a:xfrm>
-      </p:grpSpPr>
-      <p:sp>
-        <p:nvSpPr>
-          <p:cNvPr id="2" name="Title 1">
-            <a:extLst>
-              <a:ext uri="{FF2B5EF4-FFF2-40B4-BE49-F238E27FC236}">
-                <a16:creationId xmlns:a16="http://schemas.microsoft.com/office/drawing/2014/main" id="{89AEAB03-2E5F-4B1F-97F8-40CB2FC6B557}"/>
-              </a:ext>
-            </a:extLst>
-          </p:cNvPr>
-          <p:cNvSpPr>
-            <a:spLocks noGrp="1"/>
-          </p:cNvSpPr>
-          <p:nvPr>
-            <p:ph type="title"/>
-          </p:nvPr>
-        </p:nvSpPr>
-        <p:spPr/>
-        <p:txBody>
-          <a:bodyPr/>
-          <a:lstStyle/>
-          <a:p>
-            <a:r>
-              <a:rPr lang="de-CH" dirty="0"/>
               <a:t>Methods – LSTM Model</a:t>
             </a:r>
             <a:endParaRPr lang="en-AU" dirty="0"/>
@@ -19831,7 +19870,7 @@
 </p:sld>
 </file>
 
-<file path=ppt/slides/slide9.xml><?xml version="1.0" encoding="utf-8"?>
+<file path=ppt/slides/slide8.xml><?xml version="1.0" encoding="utf-8"?>
 <p:sld xmlns:a="http://schemas.openxmlformats.org/drawingml/2006/main" xmlns:r="http://schemas.openxmlformats.org/officeDocument/2006/relationships" xmlns:p="http://schemas.openxmlformats.org/presentationml/2006/main">
   <p:cSld>
     <p:spTree>
@@ -20084,6 +20123,363 @@
     <p:extLst>
       <p:ext uri="{BB962C8B-B14F-4D97-AF65-F5344CB8AC3E}">
         <p14:creationId xmlns:p14="http://schemas.microsoft.com/office/powerpoint/2010/main" val="3506625659"/>
+      </p:ext>
+    </p:extLst>
+  </p:cSld>
+  <p:clrMapOvr>
+    <a:masterClrMapping/>
+  </p:clrMapOvr>
+</p:sld>
+</file>
+
+<file path=ppt/slides/slide9.xml><?xml version="1.0" encoding="utf-8"?>
+<p:sld xmlns:a="http://schemas.openxmlformats.org/drawingml/2006/main" xmlns:r="http://schemas.openxmlformats.org/officeDocument/2006/relationships" xmlns:p="http://schemas.openxmlformats.org/presentationml/2006/main">
+  <p:cSld>
+    <p:spTree>
+      <p:nvGrpSpPr>
+        <p:cNvPr id="1" name=""/>
+        <p:cNvGrpSpPr/>
+        <p:nvPr/>
+      </p:nvGrpSpPr>
+      <p:grpSpPr>
+        <a:xfrm>
+          <a:off x="0" y="0"/>
+          <a:ext cx="0" cy="0"/>
+          <a:chOff x="0" y="0"/>
+          <a:chExt cx="0" cy="0"/>
+        </a:xfrm>
+      </p:grpSpPr>
+      <p:sp>
+        <p:nvSpPr>
+          <p:cNvPr id="2" name="Title 1">
+            <a:extLst>
+              <a:ext uri="{FF2B5EF4-FFF2-40B4-BE49-F238E27FC236}">
+                <a16:creationId xmlns:a16="http://schemas.microsoft.com/office/drawing/2014/main" id="{B37247BC-433B-47A5-B3FD-5145E58B832B}"/>
+              </a:ext>
+            </a:extLst>
+          </p:cNvPr>
+          <p:cNvSpPr>
+            <a:spLocks noGrp="1"/>
+          </p:cNvSpPr>
+          <p:nvPr>
+            <p:ph type="title"/>
+          </p:nvPr>
+        </p:nvSpPr>
+        <p:spPr/>
+        <p:txBody>
+          <a:bodyPr/>
+          <a:lstStyle/>
+          <a:p>
+            <a:r>
+              <a:rPr lang="de-CH" dirty="0"/>
+              <a:t>Data </a:t>
+            </a:r>
+            <a:r>
+              <a:rPr lang="de-CH" dirty="0" err="1"/>
+              <a:t>prepocessing</a:t>
+            </a:r>
+            <a:r>
+              <a:rPr lang="de-CH" dirty="0"/>
+              <a:t> - </a:t>
+            </a:r>
+            <a:r>
+              <a:rPr lang="de-CH" b="0" i="0" dirty="0" err="1"/>
+              <a:t>splitting</a:t>
+            </a:r>
+            <a:r>
+              <a:rPr lang="de-CH" b="0" i="0" dirty="0"/>
+              <a:t>, </a:t>
+            </a:r>
+            <a:r>
+              <a:rPr lang="de-CH" b="0" i="0" dirty="0" err="1"/>
+              <a:t>timewindows</a:t>
+            </a:r>
+            <a:r>
+              <a:rPr lang="de-CH" b="0" i="0" dirty="0"/>
+              <a:t>, </a:t>
+            </a:r>
+            <a:r>
+              <a:rPr lang="de-CH" b="0" i="0" dirty="0" err="1"/>
+              <a:t>variation</a:t>
+            </a:r>
+            <a:br>
+              <a:rPr lang="en-AU" dirty="0"/>
+            </a:br>
+            <a:endParaRPr lang="en-AU" dirty="0"/>
+          </a:p>
+        </p:txBody>
+      </p:sp>
+      <p:sp>
+        <p:nvSpPr>
+          <p:cNvPr id="3" name="Content Placeholder 2">
+            <a:extLst>
+              <a:ext uri="{FF2B5EF4-FFF2-40B4-BE49-F238E27FC236}">
+                <a16:creationId xmlns:a16="http://schemas.microsoft.com/office/drawing/2014/main" id="{F30E1605-B4C1-4A3E-8DE9-4B39E7EE0F36}"/>
+              </a:ext>
+            </a:extLst>
+          </p:cNvPr>
+          <p:cNvSpPr>
+            <a:spLocks noGrp="1"/>
+          </p:cNvSpPr>
+          <p:nvPr>
+            <p:ph idx="1"/>
+          </p:nvPr>
+        </p:nvSpPr>
+        <p:spPr/>
+        <p:txBody>
+          <a:bodyPr/>
+          <a:lstStyle/>
+          <a:p>
+            <a:r>
+              <a:rPr lang="de-CH" dirty="0" err="1"/>
+              <a:t>We</a:t>
+            </a:r>
+            <a:r>
+              <a:rPr lang="de-CH" dirty="0"/>
+              <a:t> </a:t>
+            </a:r>
+            <a:r>
+              <a:rPr lang="de-CH" dirty="0" err="1"/>
+              <a:t>split</a:t>
+            </a:r>
+            <a:r>
+              <a:rPr lang="de-CH" dirty="0"/>
+              <a:t> </a:t>
+            </a:r>
+            <a:r>
+              <a:rPr lang="de-CH" dirty="0" err="1"/>
+              <a:t>the</a:t>
+            </a:r>
+            <a:r>
+              <a:rPr lang="de-CH" dirty="0"/>
+              <a:t> </a:t>
+            </a:r>
+            <a:r>
+              <a:rPr lang="de-CH" dirty="0" err="1"/>
+              <a:t>data</a:t>
+            </a:r>
+            <a:r>
+              <a:rPr lang="de-CH" dirty="0"/>
+              <a:t> 0.8/0.1/0.1 (</a:t>
+            </a:r>
+            <a:r>
+              <a:rPr lang="de-CH" dirty="0" err="1"/>
+              <a:t>training</a:t>
+            </a:r>
+            <a:r>
+              <a:rPr lang="de-CH" dirty="0"/>
+              <a:t>/</a:t>
+            </a:r>
+            <a:r>
+              <a:rPr lang="de-CH" dirty="0" err="1"/>
+              <a:t>validation</a:t>
+            </a:r>
+            <a:r>
+              <a:rPr lang="de-CH" dirty="0"/>
+              <a:t>/</a:t>
+            </a:r>
+            <a:r>
+              <a:rPr lang="de-CH" dirty="0" err="1"/>
+              <a:t>testing</a:t>
+            </a:r>
+            <a:r>
+              <a:rPr lang="de-CH" dirty="0"/>
+              <a:t>)</a:t>
+            </a:r>
+          </a:p>
+          <a:p>
+            <a:pPr lvl="1"/>
+            <a:r>
+              <a:rPr lang="de-CH" dirty="0"/>
+              <a:t>Just a </a:t>
+            </a:r>
+            <a:r>
+              <a:rPr lang="de-CH" dirty="0" err="1"/>
+              <a:t>common</a:t>
+            </a:r>
+            <a:r>
+              <a:rPr lang="de-CH" dirty="0"/>
+              <a:t> </a:t>
+            </a:r>
+            <a:r>
+              <a:rPr lang="de-CH" dirty="0" err="1"/>
+              <a:t>ratio</a:t>
+            </a:r>
+            <a:endParaRPr lang="de-CH" dirty="0"/>
+          </a:p>
+          <a:p>
+            <a:r>
+              <a:rPr lang="de-CH" dirty="0" err="1"/>
+              <a:t>We</a:t>
+            </a:r>
+            <a:r>
+              <a:rPr lang="de-CH" dirty="0"/>
+              <a:t> </a:t>
+            </a:r>
+            <a:r>
+              <a:rPr lang="de-CH" dirty="0" err="1"/>
+              <a:t>assigned</a:t>
+            </a:r>
+            <a:r>
+              <a:rPr lang="de-CH" dirty="0"/>
+              <a:t> </a:t>
+            </a:r>
+            <a:r>
+              <a:rPr lang="de-CH" dirty="0" err="1"/>
+              <a:t>timewindows</a:t>
+            </a:r>
+            <a:r>
+              <a:rPr lang="de-CH" dirty="0"/>
+              <a:t> </a:t>
+            </a:r>
+            <a:r>
+              <a:rPr lang="de-CH" dirty="0" err="1"/>
+              <a:t>of</a:t>
+            </a:r>
+            <a:r>
+              <a:rPr lang="de-CH" dirty="0"/>
+              <a:t> 15/30min</a:t>
+            </a:r>
+          </a:p>
+          <a:p>
+            <a:pPr lvl="1"/>
+            <a:r>
+              <a:rPr lang="de-CH" dirty="0" err="1"/>
+              <a:t>Experimenting</a:t>
+            </a:r>
+            <a:r>
+              <a:rPr lang="de-CH" dirty="0"/>
+              <a:t> </a:t>
+            </a:r>
+            <a:r>
+              <a:rPr lang="de-CH" dirty="0" err="1"/>
+              <a:t>with</a:t>
+            </a:r>
+            <a:r>
+              <a:rPr lang="de-CH" dirty="0"/>
+              <a:t> </a:t>
+            </a:r>
+            <a:r>
+              <a:rPr lang="de-CH" dirty="0" err="1"/>
+              <a:t>timewindow</a:t>
+            </a:r>
+            <a:r>
+              <a:rPr lang="de-CH" dirty="0"/>
+              <a:t> </a:t>
+            </a:r>
+            <a:r>
+              <a:rPr lang="de-CH" dirty="0" err="1"/>
+              <a:t>to</a:t>
+            </a:r>
+            <a:r>
+              <a:rPr lang="de-CH" dirty="0"/>
+              <a:t> </a:t>
+            </a:r>
+            <a:r>
+              <a:rPr lang="de-CH" dirty="0" err="1"/>
+              <a:t>get</a:t>
+            </a:r>
+            <a:r>
+              <a:rPr lang="de-CH" dirty="0"/>
+              <a:t> </a:t>
+            </a:r>
+            <a:r>
+              <a:rPr lang="de-CH" dirty="0" err="1"/>
+              <a:t>better</a:t>
+            </a:r>
+            <a:r>
+              <a:rPr lang="de-CH" dirty="0"/>
+              <a:t> </a:t>
+            </a:r>
+            <a:r>
+              <a:rPr lang="de-CH" dirty="0" err="1"/>
+              <a:t>result</a:t>
+            </a:r>
+            <a:endParaRPr lang="de-CH" dirty="0"/>
+          </a:p>
+          <a:p>
+            <a:pPr lvl="1"/>
+            <a:r>
+              <a:rPr lang="de-CH" dirty="0"/>
+              <a:t>15 </a:t>
+            </a:r>
+            <a:r>
+              <a:rPr lang="de-CH" dirty="0" err="1"/>
+              <a:t>minutes</a:t>
+            </a:r>
+            <a:r>
+              <a:rPr lang="de-CH" dirty="0"/>
+              <a:t> after </a:t>
+            </a:r>
+            <a:r>
+              <a:rPr lang="de-CH" dirty="0" err="1"/>
+              <a:t>the</a:t>
+            </a:r>
+            <a:r>
+              <a:rPr lang="de-CH" dirty="0"/>
+              <a:t> </a:t>
+            </a:r>
+            <a:r>
+              <a:rPr lang="de-CH" dirty="0" err="1"/>
+              <a:t>meal</a:t>
+            </a:r>
+            <a:r>
+              <a:rPr lang="de-CH" dirty="0"/>
+              <a:t> </a:t>
+            </a:r>
+            <a:r>
+              <a:rPr lang="de-CH" dirty="0" err="1"/>
+              <a:t>is</a:t>
+            </a:r>
+            <a:r>
+              <a:rPr lang="de-CH" dirty="0"/>
+              <a:t> </a:t>
+            </a:r>
+            <a:r>
+              <a:rPr lang="de-CH" dirty="0" err="1"/>
+              <a:t>common</a:t>
+            </a:r>
+            <a:r>
+              <a:rPr lang="de-CH" dirty="0"/>
+              <a:t> </a:t>
+            </a:r>
+            <a:r>
+              <a:rPr lang="de-CH" dirty="0" err="1"/>
+              <a:t>timeframe</a:t>
+            </a:r>
+            <a:endParaRPr lang="de-CH" dirty="0"/>
+          </a:p>
+          <a:p>
+            <a:r>
+              <a:rPr lang="de-CH" dirty="0" err="1"/>
+              <a:t>No</a:t>
+            </a:r>
+            <a:r>
+              <a:rPr lang="de-CH" dirty="0"/>
+              <a:t> </a:t>
+            </a:r>
+            <a:r>
+              <a:rPr lang="de-CH" dirty="0" err="1"/>
+              <a:t>normalization</a:t>
+            </a:r>
+            <a:r>
+              <a:rPr lang="de-CH" dirty="0"/>
+              <a:t> =&gt; time ran out </a:t>
+            </a:r>
+            <a:r>
+              <a:rPr lang="de-CH" dirty="0">
+                <a:sym typeface="Wingdings" panose="05000000000000000000" pitchFamily="2" charset="2"/>
+              </a:rPr>
+              <a:t></a:t>
+            </a:r>
+            <a:endParaRPr lang="en-AU" dirty="0"/>
+          </a:p>
+        </p:txBody>
+      </p:sp>
+    </p:spTree>
+    <p:extLst>
+      <p:ext uri="{BB962C8B-B14F-4D97-AF65-F5344CB8AC3E}">
+        <p14:creationId xmlns:p14="http://schemas.microsoft.com/office/powerpoint/2010/main" val="4117226785"/>
       </p:ext>
     </p:extLst>
   </p:cSld>
